--- a/Sviluppo_originale/cover/cover_42.08x40.64mm.pptx
+++ b/Sviluppo_originale/cover/cover_42.08x40.64mm.pptx
@@ -6,8 +6,9 @@
   </p:sldMasterIdLst>
   <p:sldIdLst>
     <p:sldId id="256" r:id="rId2"/>
-    <p:sldId id="257" r:id="rId3"/>
-    <p:sldId id="258" r:id="rId4"/>
+    <p:sldId id="259" r:id="rId3"/>
+    <p:sldId id="257" r:id="rId4"/>
+    <p:sldId id="258" r:id="rId5"/>
   </p:sldIdLst>
   <p:sldSz cx="14630400" cy="15149513"/>
   <p:notesSz cx="6858000" cy="9144000"/>
@@ -245,7 +246,7 @@
           <a:p>
             <a:fld id="{3D2E5334-5A8C-F14D-8ED5-E89CD0B816F6}" type="datetimeFigureOut">
               <a:rPr lang="it-IT" smtClean="0"/>
-              <a:t>03/10/23</a:t>
+              <a:t>06/09/25</a:t>
             </a:fld>
             <a:endParaRPr lang="it-IT"/>
           </a:p>
@@ -415,7 +416,7 @@
           <a:p>
             <a:fld id="{3D2E5334-5A8C-F14D-8ED5-E89CD0B816F6}" type="datetimeFigureOut">
               <a:rPr lang="it-IT" smtClean="0"/>
-              <a:t>03/10/23</a:t>
+              <a:t>06/09/25</a:t>
             </a:fld>
             <a:endParaRPr lang="it-IT"/>
           </a:p>
@@ -595,7 +596,7 @@
           <a:p>
             <a:fld id="{3D2E5334-5A8C-F14D-8ED5-E89CD0B816F6}" type="datetimeFigureOut">
               <a:rPr lang="it-IT" smtClean="0"/>
-              <a:t>03/10/23</a:t>
+              <a:t>06/09/25</a:t>
             </a:fld>
             <a:endParaRPr lang="it-IT"/>
           </a:p>
@@ -765,7 +766,7 @@
           <a:p>
             <a:fld id="{3D2E5334-5A8C-F14D-8ED5-E89CD0B816F6}" type="datetimeFigureOut">
               <a:rPr lang="it-IT" smtClean="0"/>
-              <a:t>03/10/23</a:t>
+              <a:t>06/09/25</a:t>
             </a:fld>
             <a:endParaRPr lang="it-IT"/>
           </a:p>
@@ -1009,7 +1010,7 @@
           <a:p>
             <a:fld id="{3D2E5334-5A8C-F14D-8ED5-E89CD0B816F6}" type="datetimeFigureOut">
               <a:rPr lang="it-IT" smtClean="0"/>
-              <a:t>03/10/23</a:t>
+              <a:t>06/09/25</a:t>
             </a:fld>
             <a:endParaRPr lang="it-IT"/>
           </a:p>
@@ -1241,7 +1242,7 @@
           <a:p>
             <a:fld id="{3D2E5334-5A8C-F14D-8ED5-E89CD0B816F6}" type="datetimeFigureOut">
               <a:rPr lang="it-IT" smtClean="0"/>
-              <a:t>03/10/23</a:t>
+              <a:t>06/09/25</a:t>
             </a:fld>
             <a:endParaRPr lang="it-IT"/>
           </a:p>
@@ -1608,7 +1609,7 @@
           <a:p>
             <a:fld id="{3D2E5334-5A8C-F14D-8ED5-E89CD0B816F6}" type="datetimeFigureOut">
               <a:rPr lang="it-IT" smtClean="0"/>
-              <a:t>03/10/23</a:t>
+              <a:t>06/09/25</a:t>
             </a:fld>
             <a:endParaRPr lang="it-IT"/>
           </a:p>
@@ -1726,7 +1727,7 @@
           <a:p>
             <a:fld id="{3D2E5334-5A8C-F14D-8ED5-E89CD0B816F6}" type="datetimeFigureOut">
               <a:rPr lang="it-IT" smtClean="0"/>
-              <a:t>03/10/23</a:t>
+              <a:t>06/09/25</a:t>
             </a:fld>
             <a:endParaRPr lang="it-IT"/>
           </a:p>
@@ -1821,7 +1822,7 @@
           <a:p>
             <a:fld id="{3D2E5334-5A8C-F14D-8ED5-E89CD0B816F6}" type="datetimeFigureOut">
               <a:rPr lang="it-IT" smtClean="0"/>
-              <a:t>03/10/23</a:t>
+              <a:t>06/09/25</a:t>
             </a:fld>
             <a:endParaRPr lang="it-IT"/>
           </a:p>
@@ -2098,7 +2099,7 @@
           <a:p>
             <a:fld id="{3D2E5334-5A8C-F14D-8ED5-E89CD0B816F6}" type="datetimeFigureOut">
               <a:rPr lang="it-IT" smtClean="0"/>
-              <a:t>03/10/23</a:t>
+              <a:t>06/09/25</a:t>
             </a:fld>
             <a:endParaRPr lang="it-IT"/>
           </a:p>
@@ -2355,7 +2356,7 @@
           <a:p>
             <a:fld id="{3D2E5334-5A8C-F14D-8ED5-E89CD0B816F6}" type="datetimeFigureOut">
               <a:rPr lang="it-IT" smtClean="0"/>
-              <a:t>03/10/23</a:t>
+              <a:t>06/09/25</a:t>
             </a:fld>
             <a:endParaRPr lang="it-IT"/>
           </a:p>
@@ -2568,7 +2569,7 @@
           <a:p>
             <a:fld id="{3D2E5334-5A8C-F14D-8ED5-E89CD0B816F6}" type="datetimeFigureOut">
               <a:rPr lang="it-IT" smtClean="0"/>
-              <a:t>03/10/23</a:t>
+              <a:t>06/09/25</a:t>
             </a:fld>
             <a:endParaRPr lang="it-IT"/>
           </a:p>
@@ -3996,6 +3997,1022 @@
   <p:cSld>
     <p:spTree>
       <p:nvGrpSpPr>
+        <p:cNvPr id="1" name="">
+          <a:extLst>
+            <a:ext uri="{FF2B5EF4-FFF2-40B4-BE49-F238E27FC236}">
+              <a16:creationId xmlns:a16="http://schemas.microsoft.com/office/drawing/2014/main" id="{024E5A89-962D-A3A9-1BA5-AEEE41C801C4}"/>
+            </a:ext>
+          </a:extLst>
+        </p:cNvPr>
+        <p:cNvGrpSpPr/>
+        <p:nvPr/>
+      </p:nvGrpSpPr>
+      <p:grpSpPr>
+        <a:xfrm>
+          <a:off x="0" y="0"/>
+          <a:ext cx="0" cy="0"/>
+          <a:chOff x="0" y="0"/>
+          <a:chExt cx="0" cy="0"/>
+        </a:xfrm>
+      </p:grpSpPr>
+      <p:sp>
+        <p:nvSpPr>
+          <p:cNvPr id="9" name="Rettangolo 8">
+            <a:extLst>
+              <a:ext uri="{FF2B5EF4-FFF2-40B4-BE49-F238E27FC236}">
+                <a16:creationId xmlns:a16="http://schemas.microsoft.com/office/drawing/2014/main" id="{0B904807-6484-202D-A45B-8188E1D30198}"/>
+              </a:ext>
+            </a:extLst>
+          </p:cNvPr>
+          <p:cNvSpPr/>
+          <p:nvPr/>
+        </p:nvSpPr>
+        <p:spPr>
+          <a:xfrm>
+            <a:off x="1702860" y="3753"/>
+            <a:ext cx="12916800" cy="15145760"/>
+          </a:xfrm>
+          <a:prstGeom prst="rect">
+            <a:avLst/>
+          </a:prstGeom>
+          <a:solidFill>
+            <a:schemeClr val="tx1"/>
+          </a:solidFill>
+          <a:ln>
+            <a:noFill/>
+          </a:ln>
+        </p:spPr>
+        <p:style>
+          <a:lnRef idx="2">
+            <a:schemeClr val="accent1">
+              <a:shade val="50000"/>
+            </a:schemeClr>
+          </a:lnRef>
+          <a:fillRef idx="1">
+            <a:schemeClr val="accent1"/>
+          </a:fillRef>
+          <a:effectRef idx="0">
+            <a:schemeClr val="accent1"/>
+          </a:effectRef>
+          <a:fontRef idx="minor">
+            <a:schemeClr val="lt1"/>
+          </a:fontRef>
+        </p:style>
+        <p:txBody>
+          <a:bodyPr rtlCol="0" anchor="ctr"/>
+          <a:lstStyle/>
+          <a:p>
+            <a:pPr algn="just"/>
+            <a:endParaRPr lang="it-IT" sz="179749" dirty="0"/>
+          </a:p>
+        </p:txBody>
+      </p:sp>
+      <p:sp>
+        <p:nvSpPr>
+          <p:cNvPr id="10" name="Rettangolo 9">
+            <a:extLst>
+              <a:ext uri="{FF2B5EF4-FFF2-40B4-BE49-F238E27FC236}">
+                <a16:creationId xmlns:a16="http://schemas.microsoft.com/office/drawing/2014/main" id="{DFB22926-75FA-0E04-49DB-2843DB810369}"/>
+              </a:ext>
+            </a:extLst>
+          </p:cNvPr>
+          <p:cNvSpPr/>
+          <p:nvPr/>
+        </p:nvSpPr>
+        <p:spPr>
+          <a:xfrm>
+            <a:off x="4779700" y="3021592"/>
+            <a:ext cx="9829190" cy="2460446"/>
+          </a:xfrm>
+          <a:prstGeom prst="rect">
+            <a:avLst/>
+          </a:prstGeom>
+          <a:solidFill>
+            <a:schemeClr val="tx1"/>
+          </a:solidFill>
+        </p:spPr>
+        <p:txBody>
+          <a:bodyPr wrap="square" lIns="913730" tIns="456865" rIns="913730" bIns="456865">
+            <a:spAutoFit/>
+          </a:bodyPr>
+          <a:lstStyle/>
+          <a:p>
+            <a:r>
+              <a:rPr lang="it-IT" sz="9993" b="1" dirty="0" err="1">
+                <a:ln w="6600">
+                  <a:solidFill>
+                    <a:schemeClr val="accent2"/>
+                  </a:solidFill>
+                  <a:prstDash val="solid"/>
+                </a:ln>
+                <a:solidFill>
+                  <a:srgbClr val="FFFFFF"/>
+                </a:solidFill>
+                <a:effectLst>
+                  <a:outerShdw dist="38100" dir="2700000" algn="tl" rotWithShape="0">
+                    <a:schemeClr val="accent2"/>
+                  </a:outerShdw>
+                </a:effectLst>
+                <a:latin typeface="Magneto" pitchFamily="82" charset="77"/>
+                <a:cs typeface="Magneto" panose="020F0502020204030204" pitchFamily="34" charset="0"/>
+              </a:rPr>
+              <a:t>Para</a:t>
+            </a:r>
+            <a:r>
+              <a:rPr lang="it-IT" sz="9993" b="1" i="1" dirty="0" err="1">
+                <a:ln w="6600">
+                  <a:solidFill>
+                    <a:schemeClr val="accent2"/>
+                  </a:solidFill>
+                  <a:prstDash val="solid"/>
+                </a:ln>
+                <a:solidFill>
+                  <a:srgbClr val="FFFFFF"/>
+                </a:solidFill>
+                <a:effectLst>
+                  <a:outerShdw dist="38100" dir="2700000" algn="tl" rotWithShape="0">
+                    <a:schemeClr val="accent2"/>
+                  </a:outerShdw>
+                </a:effectLst>
+                <a:latin typeface="Bauhaus 93" pitchFamily="82" charset="77"/>
+                <a:cs typeface="Magneto" panose="020F0502020204030204" pitchFamily="34" charset="0"/>
+              </a:rPr>
+              <a:t>ZX</a:t>
+            </a:r>
+            <a:r>
+              <a:rPr lang="it-IT" sz="7994" b="1" i="1" dirty="0">
+                <a:ln w="6600">
+                  <a:solidFill>
+                    <a:schemeClr val="accent2"/>
+                  </a:solidFill>
+                  <a:prstDash val="solid"/>
+                </a:ln>
+                <a:solidFill>
+                  <a:srgbClr val="FFFFFF"/>
+                </a:solidFill>
+                <a:effectLst>
+                  <a:outerShdw dist="38100" dir="2700000" algn="tl" rotWithShape="0">
+                    <a:schemeClr val="accent2"/>
+                  </a:outerShdw>
+                </a:effectLst>
+                <a:latin typeface="Bauhaus 93" pitchFamily="82" charset="77"/>
+                <a:cs typeface="Magneto" panose="020F0502020204030204" pitchFamily="34" charset="0"/>
+              </a:rPr>
+              <a:t> </a:t>
+            </a:r>
+            <a:r>
+              <a:rPr lang="it-IT" sz="7994" b="1" dirty="0" err="1">
+                <a:ln w="6600">
+                  <a:solidFill>
+                    <a:schemeClr val="accent2"/>
+                  </a:solidFill>
+                  <a:prstDash val="solid"/>
+                </a:ln>
+                <a:solidFill>
+                  <a:srgbClr val="FFFFFF"/>
+                </a:solidFill>
+                <a:effectLst>
+                  <a:outerShdw dist="38100" dir="2700000" algn="tl" rotWithShape="0">
+                    <a:schemeClr val="accent2"/>
+                  </a:outerShdw>
+                </a:effectLst>
+                <a:latin typeface="Magneto" pitchFamily="82" charset="77"/>
+                <a:cs typeface="Magneto" panose="020F0502020204030204" pitchFamily="34" charset="0"/>
+              </a:rPr>
+              <a:t>land</a:t>
+            </a:r>
+            <a:endParaRPr lang="it-IT" sz="7994" b="1" dirty="0">
+              <a:ln w="6600">
+                <a:solidFill>
+                  <a:schemeClr val="accent2"/>
+                </a:solidFill>
+                <a:prstDash val="solid"/>
+              </a:ln>
+              <a:solidFill>
+                <a:srgbClr val="FFFFFF"/>
+              </a:solidFill>
+              <a:effectLst>
+                <a:outerShdw dist="38100" dir="2700000" algn="tl" rotWithShape="0">
+                  <a:schemeClr val="accent2"/>
+                </a:outerShdw>
+              </a:effectLst>
+              <a:latin typeface="Magneto" pitchFamily="82" charset="77"/>
+              <a:cs typeface="Magneto" panose="020F0502020204030204" pitchFamily="34" charset="0"/>
+            </a:endParaRPr>
+          </a:p>
+        </p:txBody>
+      </p:sp>
+      <p:pic>
+        <p:nvPicPr>
+          <p:cNvPr id="13" name="Immagine 12" descr="Immagine che contiene nuvola, Cumulo, nuvole, giornata&#10;&#10;Descrizione generata automaticamente">
+            <a:extLst>
+              <a:ext uri="{FF2B5EF4-FFF2-40B4-BE49-F238E27FC236}">
+                <a16:creationId xmlns:a16="http://schemas.microsoft.com/office/drawing/2014/main" id="{6138377C-68F3-DE2D-93B7-4DA67848C100}"/>
+              </a:ext>
+            </a:extLst>
+          </p:cNvPr>
+          <p:cNvPicPr>
+            <a:picLocks noChangeAspect="1"/>
+          </p:cNvPicPr>
+          <p:nvPr/>
+        </p:nvPicPr>
+        <p:blipFill>
+          <a:blip r:embed="rId2">
+            <a:extLst>
+              <a:ext uri="{BEBA8EAE-BF5A-486C-A8C5-ECC9F3942E4B}">
+                <a14:imgProps xmlns:a14="http://schemas.microsoft.com/office/drawing/2010/main">
+                  <a14:imgLayer r:embed="rId3">
+                    <a14:imgEffect>
+                      <a14:artisticBlur/>
+                    </a14:imgEffect>
+                    <a14:imgEffect>
+                      <a14:colorTemperature colorTemp="5300"/>
+                    </a14:imgEffect>
+                  </a14:imgLayer>
+                </a14:imgProps>
+              </a:ext>
+            </a:extLst>
+          </a:blip>
+          <a:stretch>
+            <a:fillRect/>
+          </a:stretch>
+        </p:blipFill>
+        <p:spPr>
+          <a:xfrm>
+            <a:off x="5350806" y="5501847"/>
+            <a:ext cx="9269491" cy="9647683"/>
+          </a:xfrm>
+          <a:prstGeom prst="rect">
+            <a:avLst/>
+          </a:prstGeom>
+        </p:spPr>
+      </p:pic>
+      <p:pic>
+        <p:nvPicPr>
+          <p:cNvPr id="15" name="Immagine 14" descr="Immagine che contiene aeromobile, trasporto, cielo, elicottero&#10;&#10;Descrizione generata automaticamente">
+            <a:extLst>
+              <a:ext uri="{FF2B5EF4-FFF2-40B4-BE49-F238E27FC236}">
+                <a16:creationId xmlns:a16="http://schemas.microsoft.com/office/drawing/2014/main" id="{5521CA76-4128-79D9-8893-8F6EEC15851F}"/>
+              </a:ext>
+            </a:extLst>
+          </p:cNvPr>
+          <p:cNvPicPr>
+            <a:picLocks noChangeAspect="1"/>
+          </p:cNvPicPr>
+          <p:nvPr/>
+        </p:nvPicPr>
+        <p:blipFill>
+          <a:blip r:embed="rId4">
+            <a:extLst>
+              <a:ext uri="{BEBA8EAE-BF5A-486C-A8C5-ECC9F3942E4B}">
+                <a14:imgProps xmlns:a14="http://schemas.microsoft.com/office/drawing/2010/main">
+                  <a14:imgLayer r:embed="rId5">
+                    <a14:imgEffect>
+                      <a14:backgroundRemoval t="10000" b="90000" l="10000" r="90000">
+                        <a14:backgroundMark x1="43359" y1="8594" x2="43359" y2="8594"/>
+                        <a14:backgroundMark x1="87500" y1="40625" x2="87500" y2="40625"/>
+                      </a14:backgroundRemoval>
+                    </a14:imgEffect>
+                  </a14:imgLayer>
+                </a14:imgProps>
+              </a:ext>
+            </a:extLst>
+          </a:blip>
+          <a:stretch>
+            <a:fillRect/>
+          </a:stretch>
+        </p:blipFill>
+        <p:spPr>
+          <a:xfrm>
+            <a:off x="5345175" y="5162026"/>
+            <a:ext cx="2892538" cy="2892538"/>
+          </a:xfrm>
+          <a:prstGeom prst="rect">
+            <a:avLst/>
+          </a:prstGeom>
+        </p:spPr>
+      </p:pic>
+      <p:pic>
+        <p:nvPicPr>
+          <p:cNvPr id="16" name="Immagine 15" descr="Immagine che contiene arte, Arte frattale, Elementi grafici, Policromia&#10;&#10;Descrizione generata automaticamente">
+            <a:extLst>
+              <a:ext uri="{FF2B5EF4-FFF2-40B4-BE49-F238E27FC236}">
+                <a16:creationId xmlns:a16="http://schemas.microsoft.com/office/drawing/2014/main" id="{D657C81D-FE42-7EE8-3BAC-2AD70875B3FF}"/>
+              </a:ext>
+            </a:extLst>
+          </p:cNvPr>
+          <p:cNvPicPr>
+            <a:picLocks noChangeAspect="1"/>
+          </p:cNvPicPr>
+          <p:nvPr/>
+        </p:nvPicPr>
+        <p:blipFill>
+          <a:blip r:embed="rId6">
+            <a:extLst>
+              <a:ext uri="{BEBA8EAE-BF5A-486C-A8C5-ECC9F3942E4B}">
+                <a14:imgProps xmlns:a14="http://schemas.microsoft.com/office/drawing/2010/main">
+                  <a14:imgLayer r:embed="rId7">
+                    <a14:imgEffect>
+                      <a14:backgroundRemoval t="4688" b="92188" l="9766" r="89844">
+                        <a14:foregroundMark x1="19141" y1="12109" x2="19141" y2="12109"/>
+                        <a14:foregroundMark x1="18359" y1="17969" x2="18359" y2="17969"/>
+                        <a14:foregroundMark x1="21484" y1="92578" x2="21484" y2="92578"/>
+                        <a14:foregroundMark x1="69531" y1="5859" x2="69531" y2="5859"/>
+                        <a14:foregroundMark x1="28125" y1="4688" x2="28125" y2="4688"/>
+                        <a14:foregroundMark x1="13672" y1="53125" x2="13672" y2="53125"/>
+                        <a14:foregroundMark x1="70313" y1="83984" x2="70313" y2="83984"/>
+                        <a14:foregroundMark x1="55469" y1="87891" x2="55469" y2="87891"/>
+                        <a14:foregroundMark x1="40625" y1="82422" x2="40625" y2="82422"/>
+                        <a14:foregroundMark x1="30078" y1="79297" x2="30078" y2="79297"/>
+                        <a14:foregroundMark x1="26172" y1="66016" x2="26172" y2="66016"/>
+                        <a14:foregroundMark x1="64453" y1="16016" x2="64453" y2="16016"/>
+                        <a14:foregroundMark x1="46875" y1="10938" x2="46875" y2="10938"/>
+                        <a14:foregroundMark x1="78516" y1="62109" x2="78516" y2="62109"/>
+                        <a14:foregroundMark x1="70703" y1="74219" x2="70703" y2="74219"/>
+                        <a14:foregroundMark x1="56641" y1="76172" x2="56641" y2="76172"/>
+                        <a14:foregroundMark x1="72656" y1="36328" x2="72656" y2="36328"/>
+                        <a14:foregroundMark x1="79297" y1="39063" x2="79297" y2="39063"/>
+                        <a14:foregroundMark x1="32422" y1="19922" x2="32422" y2="19922"/>
+                        <a14:backgroundMark x1="30078" y1="25781" x2="30078" y2="25781"/>
+                        <a14:backgroundMark x1="32031" y1="30469" x2="32031" y2="30469"/>
+                        <a14:backgroundMark x1="66797" y1="25391" x2="66797" y2="25391"/>
+                        <a14:backgroundMark x1="50000" y1="25391" x2="50000" y2="25391"/>
+                        <a14:backgroundMark x1="66797" y1="71875" x2="66797" y2="71875"/>
+                        <a14:backgroundMark x1="78906" y1="60938" x2="78906" y2="60938"/>
+                        <a14:backgroundMark x1="32422" y1="64063" x2="32422" y2="64063"/>
+                        <a14:backgroundMark x1="44141" y1="69922" x2="44141" y2="69922"/>
+                      </a14:backgroundRemoval>
+                    </a14:imgEffect>
+                  </a14:imgLayer>
+                </a14:imgProps>
+              </a:ext>
+            </a:extLst>
+          </a:blip>
+          <a:stretch>
+            <a:fillRect/>
+          </a:stretch>
+        </p:blipFill>
+        <p:spPr>
+          <a:xfrm flipH="1">
+            <a:off x="5738142" y="8727645"/>
+            <a:ext cx="2106625" cy="2106625"/>
+          </a:xfrm>
+          <a:prstGeom prst="rect">
+            <a:avLst/>
+          </a:prstGeom>
+        </p:spPr>
+      </p:pic>
+      <p:pic>
+        <p:nvPicPr>
+          <p:cNvPr id="17" name="Immagine 16" descr="Immagine che contiene fiore, Policromia, arte&#10;&#10;Descrizione generata automaticamente">
+            <a:extLst>
+              <a:ext uri="{FF2B5EF4-FFF2-40B4-BE49-F238E27FC236}">
+                <a16:creationId xmlns:a16="http://schemas.microsoft.com/office/drawing/2014/main" id="{FF5501B8-3603-D858-D069-79306E61524C}"/>
+              </a:ext>
+            </a:extLst>
+          </p:cNvPr>
+          <p:cNvPicPr>
+            <a:picLocks noChangeAspect="1"/>
+          </p:cNvPicPr>
+          <p:nvPr/>
+        </p:nvPicPr>
+        <p:blipFill rotWithShape="1">
+          <a:blip r:embed="rId8">
+            <a:extLst>
+              <a:ext uri="{BEBA8EAE-BF5A-486C-A8C5-ECC9F3942E4B}">
+                <a14:imgProps xmlns:a14="http://schemas.microsoft.com/office/drawing/2010/main">
+                  <a14:imgLayer r:embed="rId9">
+                    <a14:imgEffect>
+                      <a14:backgroundRemoval t="10000" b="90000" l="10000" r="90000">
+                        <a14:foregroundMark x1="16797" y1="67188" x2="16797" y2="67188"/>
+                        <a14:foregroundMark x1="23047" y1="80469" x2="23047" y2="80469"/>
+                        <a14:foregroundMark x1="12891" y1="32813" x2="12891" y2="32813"/>
+                        <a14:foregroundMark x1="66406" y1="85938" x2="66406" y2="85938"/>
+                        <a14:backgroundMark x1="62891" y1="21484" x2="62891" y2="21484"/>
+                        <a14:backgroundMark x1="76563" y1="28906" x2="76563" y2="28906"/>
+                        <a14:backgroundMark x1="75781" y1="30469" x2="75781" y2="30469"/>
+                        <a14:backgroundMark x1="73047" y1="32813" x2="73047" y2="32813"/>
+                      </a14:backgroundRemoval>
+                    </a14:imgEffect>
+                  </a14:imgLayer>
+                </a14:imgProps>
+              </a:ext>
+            </a:extLst>
+          </a:blip>
+          <a:srcRect l="7449" t="8606" r="11728" b="8054"/>
+          <a:stretch/>
+        </p:blipFill>
+        <p:spPr>
+          <a:xfrm flipH="1">
+            <a:off x="11311758" y="5847703"/>
+            <a:ext cx="2935087" cy="3026480"/>
+          </a:xfrm>
+          <a:prstGeom prst="rect">
+            <a:avLst/>
+          </a:prstGeom>
+        </p:spPr>
+      </p:pic>
+      <p:pic>
+        <p:nvPicPr>
+          <p:cNvPr id="18" name="Immagine 17" descr="Immagine che contiene cielo, acqua, aqua, isola&#10;&#10;Descrizione generata automaticamente">
+            <a:extLst>
+              <a:ext uri="{FF2B5EF4-FFF2-40B4-BE49-F238E27FC236}">
+                <a16:creationId xmlns:a16="http://schemas.microsoft.com/office/drawing/2014/main" id="{4461F75C-EC47-8C11-2E5A-A46DAAE84171}"/>
+              </a:ext>
+            </a:extLst>
+          </p:cNvPr>
+          <p:cNvPicPr>
+            <a:picLocks noChangeAspect="1"/>
+          </p:cNvPicPr>
+          <p:nvPr/>
+        </p:nvPicPr>
+        <p:blipFill rotWithShape="1">
+          <a:blip r:embed="rId10">
+            <a:extLst>
+              <a:ext uri="{BEBA8EAE-BF5A-486C-A8C5-ECC9F3942E4B}">
+                <a14:imgProps xmlns:a14="http://schemas.microsoft.com/office/drawing/2010/main">
+                  <a14:imgLayer r:embed="rId11">
+                    <a14:imgEffect>
+                      <a14:colorTemperature colorTemp="11200"/>
+                    </a14:imgEffect>
+                  </a14:imgLayer>
+                </a14:imgProps>
+              </a:ext>
+            </a:extLst>
+          </a:blip>
+          <a:srcRect l="14032" t="54656" r="10740" b="12665"/>
+          <a:stretch/>
+        </p:blipFill>
+        <p:spPr>
+          <a:xfrm>
+            <a:off x="5350791" y="12246519"/>
+            <a:ext cx="9253592" cy="2892538"/>
+          </a:xfrm>
+          <a:prstGeom prst="rect">
+            <a:avLst/>
+          </a:prstGeom>
+          <a:ln>
+            <a:noFill/>
+          </a:ln>
+        </p:spPr>
+      </p:pic>
+      <p:pic>
+        <p:nvPicPr>
+          <p:cNvPr id="19" name="Immagine 18" descr="Immagine che contiene paracadute, Paracadutismo, Sport dell'aria, cielo&#10;&#10;Descrizione generata automaticamente">
+            <a:extLst>
+              <a:ext uri="{FF2B5EF4-FFF2-40B4-BE49-F238E27FC236}">
+                <a16:creationId xmlns:a16="http://schemas.microsoft.com/office/drawing/2014/main" id="{87171354-EE43-E0AE-3B0B-D656C902CD14}"/>
+              </a:ext>
+            </a:extLst>
+          </p:cNvPr>
+          <p:cNvPicPr>
+            <a:picLocks noChangeAspect="1"/>
+          </p:cNvPicPr>
+          <p:nvPr/>
+        </p:nvPicPr>
+        <p:blipFill>
+          <a:blip r:embed="rId12">
+            <a:extLst>
+              <a:ext uri="{BEBA8EAE-BF5A-486C-A8C5-ECC9F3942E4B}">
+                <a14:imgProps xmlns:a14="http://schemas.microsoft.com/office/drawing/2010/main">
+                  <a14:imgLayer r:embed="rId13">
+                    <a14:imgEffect>
+                      <a14:backgroundRemoval t="10000" b="90000" l="10000" r="90000">
+                        <a14:backgroundMark x1="51660" y1="45117" x2="51660" y2="45117"/>
+                        <a14:backgroundMark x1="57324" y1="42773" x2="57324" y2="42773"/>
+                        <a14:backgroundMark x1="68262" y1="41211" x2="68262" y2="41211"/>
+                        <a14:backgroundMark x1="42578" y1="42871" x2="42578" y2="42871"/>
+                        <a14:backgroundMark x1="38574" y1="41797" x2="38574" y2="41797"/>
+                        <a14:backgroundMark x1="42383" y1="51367" x2="42383" y2="51367"/>
+                        <a14:backgroundMark x1="29199" y1="39648" x2="30566" y2="42773"/>
+                        <a14:backgroundMark x1="33984" y1="41406" x2="33984" y2="41406"/>
+                        <a14:backgroundMark x1="36426" y1="45801" x2="38281" y2="50000"/>
+                        <a14:backgroundMark x1="43750" y1="58594" x2="44727" y2="59668"/>
+                      </a14:backgroundRemoval>
+                    </a14:imgEffect>
+                  </a14:imgLayer>
+                </a14:imgProps>
+              </a:ext>
+            </a:extLst>
+          </a:blip>
+          <a:stretch>
+            <a:fillRect/>
+          </a:stretch>
+        </p:blipFill>
+        <p:spPr>
+          <a:xfrm>
+            <a:off x="7307246" y="7612618"/>
+            <a:ext cx="4605722" cy="4605722"/>
+          </a:xfrm>
+          <a:prstGeom prst="rect">
+            <a:avLst/>
+          </a:prstGeom>
+        </p:spPr>
+      </p:pic>
+      <p:sp>
+        <p:nvSpPr>
+          <p:cNvPr id="20" name="Rettangolo 19">
+            <a:extLst>
+              <a:ext uri="{FF2B5EF4-FFF2-40B4-BE49-F238E27FC236}">
+                <a16:creationId xmlns:a16="http://schemas.microsoft.com/office/drawing/2014/main" id="{8579E035-B00F-4E08-09AC-E18DBCF9DBA4}"/>
+              </a:ext>
+            </a:extLst>
+          </p:cNvPr>
+          <p:cNvSpPr/>
+          <p:nvPr/>
+        </p:nvSpPr>
+        <p:spPr>
+          <a:xfrm rot="5400000">
+            <a:off x="-139017" y="8748740"/>
+            <a:ext cx="9291355" cy="2152862"/>
+          </a:xfrm>
+          <a:prstGeom prst="rect">
+            <a:avLst/>
+          </a:prstGeom>
+          <a:noFill/>
+        </p:spPr>
+        <p:txBody>
+          <a:bodyPr wrap="square" lIns="913730" tIns="456865" rIns="913730" bIns="456865">
+            <a:spAutoFit/>
+          </a:bodyPr>
+          <a:lstStyle/>
+          <a:p>
+            <a:pPr algn="ctr"/>
+            <a:r>
+              <a:rPr lang="it-IT" sz="7994" b="1" dirty="0" err="1">
+                <a:ln w="6600">
+                  <a:solidFill>
+                    <a:schemeClr val="accent2"/>
+                  </a:solidFill>
+                  <a:prstDash val="solid"/>
+                </a:ln>
+                <a:solidFill>
+                  <a:srgbClr val="FFFFFF"/>
+                </a:solidFill>
+                <a:effectLst>
+                  <a:outerShdw dist="38100" dir="2700000" algn="tl" rotWithShape="0">
+                    <a:schemeClr val="accent2"/>
+                  </a:outerShdw>
+                </a:effectLst>
+                <a:latin typeface="Magneto" pitchFamily="82" charset="77"/>
+                <a:cs typeface="Magneto" panose="020F0502020204030204" pitchFamily="34" charset="0"/>
+              </a:rPr>
+              <a:t>Para</a:t>
+            </a:r>
+            <a:r>
+              <a:rPr lang="it-IT" sz="7994" b="1" i="1" dirty="0" err="1">
+                <a:ln w="6600">
+                  <a:solidFill>
+                    <a:schemeClr val="accent2"/>
+                  </a:solidFill>
+                  <a:prstDash val="solid"/>
+                </a:ln>
+                <a:solidFill>
+                  <a:srgbClr val="FFFFFF"/>
+                </a:solidFill>
+                <a:effectLst>
+                  <a:outerShdw dist="38100" dir="2700000" algn="tl" rotWithShape="0">
+                    <a:schemeClr val="accent2"/>
+                  </a:outerShdw>
+                </a:effectLst>
+                <a:latin typeface="Bauhaus 93" pitchFamily="82" charset="77"/>
+                <a:cs typeface="Magneto" panose="020F0502020204030204" pitchFamily="34" charset="0"/>
+              </a:rPr>
+              <a:t>ZX</a:t>
+            </a:r>
+            <a:r>
+              <a:rPr lang="it-IT" sz="7994" b="1" i="1" dirty="0">
+                <a:ln w="6600">
+                  <a:solidFill>
+                    <a:schemeClr val="accent2"/>
+                  </a:solidFill>
+                  <a:prstDash val="solid"/>
+                </a:ln>
+                <a:solidFill>
+                  <a:srgbClr val="FFFFFF"/>
+                </a:solidFill>
+                <a:effectLst>
+                  <a:outerShdw dist="38100" dir="2700000" algn="tl" rotWithShape="0">
+                    <a:schemeClr val="accent2"/>
+                  </a:outerShdw>
+                </a:effectLst>
+                <a:latin typeface="Bauhaus 93" pitchFamily="82" charset="77"/>
+                <a:cs typeface="Magneto" panose="020F0502020204030204" pitchFamily="34" charset="0"/>
+              </a:rPr>
+              <a:t> </a:t>
+            </a:r>
+            <a:r>
+              <a:rPr lang="it-IT" sz="7994" b="1" dirty="0" err="1">
+                <a:ln w="6600">
+                  <a:solidFill>
+                    <a:schemeClr val="accent2"/>
+                  </a:solidFill>
+                  <a:prstDash val="solid"/>
+                </a:ln>
+                <a:solidFill>
+                  <a:srgbClr val="FFFFFF"/>
+                </a:solidFill>
+                <a:effectLst>
+                  <a:outerShdw dist="38100" dir="2700000" algn="tl" rotWithShape="0">
+                    <a:schemeClr val="accent2"/>
+                  </a:outerShdw>
+                </a:effectLst>
+                <a:latin typeface="Magneto" pitchFamily="82" charset="77"/>
+                <a:cs typeface="Magneto" panose="020F0502020204030204" pitchFamily="34" charset="0"/>
+              </a:rPr>
+              <a:t>land</a:t>
+            </a:r>
+            <a:endParaRPr lang="it-IT" sz="7994" b="1" dirty="0">
+              <a:ln w="6600">
+                <a:solidFill>
+                  <a:schemeClr val="accent2"/>
+                </a:solidFill>
+                <a:prstDash val="solid"/>
+              </a:ln>
+              <a:solidFill>
+                <a:srgbClr val="FFFFFF"/>
+              </a:solidFill>
+              <a:effectLst>
+                <a:outerShdw dist="38100" dir="2700000" algn="tl" rotWithShape="0">
+                  <a:schemeClr val="accent2"/>
+                </a:outerShdw>
+              </a:effectLst>
+              <a:latin typeface="Magneto" pitchFamily="82" charset="77"/>
+              <a:cs typeface="Magneto" panose="020F0502020204030204" pitchFamily="34" charset="0"/>
+            </a:endParaRPr>
+          </a:p>
+        </p:txBody>
+      </p:sp>
+      <p:pic>
+        <p:nvPicPr>
+          <p:cNvPr id="24" name="Elemento grafico 23">
+            <a:extLst>
+              <a:ext uri="{FF2B5EF4-FFF2-40B4-BE49-F238E27FC236}">
+                <a16:creationId xmlns:a16="http://schemas.microsoft.com/office/drawing/2014/main" id="{465C7520-B82F-D687-17D3-7607A757DE0F}"/>
+              </a:ext>
+            </a:extLst>
+          </p:cNvPr>
+          <p:cNvPicPr>
+            <a:picLocks noChangeAspect="1"/>
+          </p:cNvPicPr>
+          <p:nvPr/>
+        </p:nvPicPr>
+        <p:blipFill rotWithShape="1">
+          <a:blip r:embed="rId14">
+            <a:extLst>
+              <a:ext uri="{96DAC541-7B7A-43D3-8B79-37D633B846F1}">
+                <asvg:svgBlip xmlns:asvg="http://schemas.microsoft.com/office/drawing/2016/SVG/main" r:embed="rId15"/>
+              </a:ext>
+            </a:extLst>
+          </a:blip>
+          <a:srcRect t="57930" r="29087"/>
+          <a:stretch/>
+        </p:blipFill>
+        <p:spPr>
+          <a:xfrm>
+            <a:off x="5823215" y="1776074"/>
+            <a:ext cx="5798886" cy="980711"/>
+          </a:xfrm>
+          <a:prstGeom prst="rect">
+            <a:avLst/>
+          </a:prstGeom>
+        </p:spPr>
+      </p:pic>
+      <p:cxnSp>
+        <p:nvCxnSpPr>
+          <p:cNvPr id="27" name="Connettore 1 26">
+            <a:extLst>
+              <a:ext uri="{FF2B5EF4-FFF2-40B4-BE49-F238E27FC236}">
+                <a16:creationId xmlns:a16="http://schemas.microsoft.com/office/drawing/2014/main" id="{AEC47781-FF33-B886-6508-9A7AA1E7D4D9}"/>
+              </a:ext>
+            </a:extLst>
+          </p:cNvPr>
+          <p:cNvCxnSpPr>
+            <a:cxnSpLocks/>
+          </p:cNvCxnSpPr>
+          <p:nvPr/>
+        </p:nvCxnSpPr>
+        <p:spPr>
+          <a:xfrm>
+            <a:off x="5823219" y="2994636"/>
+            <a:ext cx="6089763" cy="0"/>
+          </a:xfrm>
+          <a:prstGeom prst="line">
+            <a:avLst/>
+          </a:prstGeom>
+          <a:ln>
+            <a:solidFill>
+              <a:schemeClr val="bg1"/>
+            </a:solidFill>
+          </a:ln>
+        </p:spPr>
+        <p:style>
+          <a:lnRef idx="1">
+            <a:schemeClr val="accent1"/>
+          </a:lnRef>
+          <a:fillRef idx="0">
+            <a:schemeClr val="accent1"/>
+          </a:fillRef>
+          <a:effectRef idx="0">
+            <a:schemeClr val="accent1"/>
+          </a:effectRef>
+          <a:fontRef idx="minor">
+            <a:schemeClr val="tx1"/>
+          </a:fontRef>
+        </p:style>
+      </p:cxnSp>
+      <p:pic>
+        <p:nvPicPr>
+          <p:cNvPr id="35" name="Elemento grafico 34">
+            <a:extLst>
+              <a:ext uri="{FF2B5EF4-FFF2-40B4-BE49-F238E27FC236}">
+                <a16:creationId xmlns:a16="http://schemas.microsoft.com/office/drawing/2014/main" id="{0C6D292A-FB3C-C409-5385-79897A64F385}"/>
+              </a:ext>
+            </a:extLst>
+          </p:cNvPr>
+          <p:cNvPicPr>
+            <a:picLocks noChangeAspect="1"/>
+          </p:cNvPicPr>
+          <p:nvPr/>
+        </p:nvPicPr>
+        <p:blipFill rotWithShape="1">
+          <a:blip r:embed="rId14">
+            <a:extLst>
+              <a:ext uri="{96DAC541-7B7A-43D3-8B79-37D633B846F1}">
+                <asvg:svgBlip xmlns:asvg="http://schemas.microsoft.com/office/drawing/2016/SVG/main" r:embed="rId15"/>
+              </a:ext>
+            </a:extLst>
+          </a:blip>
+          <a:srcRect t="57930" r="29087"/>
+          <a:stretch/>
+        </p:blipFill>
+        <p:spPr>
+          <a:xfrm rot="5400000">
+            <a:off x="2351231" y="2261498"/>
+            <a:ext cx="3597361" cy="608384"/>
+          </a:xfrm>
+          <a:prstGeom prst="rect">
+            <a:avLst/>
+          </a:prstGeom>
+        </p:spPr>
+      </p:pic>
+      <p:pic>
+        <p:nvPicPr>
+          <p:cNvPr id="36" name="Immagine 35">
+            <a:extLst>
+              <a:ext uri="{FF2B5EF4-FFF2-40B4-BE49-F238E27FC236}">
+                <a16:creationId xmlns:a16="http://schemas.microsoft.com/office/drawing/2014/main" id="{83F03E43-A7F7-0287-0D5E-71269DC22A27}"/>
+              </a:ext>
+            </a:extLst>
+          </p:cNvPr>
+          <p:cNvPicPr>
+            <a:picLocks noChangeAspect="1"/>
+          </p:cNvPicPr>
+          <p:nvPr/>
+        </p:nvPicPr>
+        <p:blipFill rotWithShape="1">
+          <a:blip r:embed="rId16"/>
+          <a:srcRect l="27006" r="9847"/>
+          <a:stretch/>
+        </p:blipFill>
+        <p:spPr>
+          <a:xfrm>
+            <a:off x="3545240" y="3834869"/>
+            <a:ext cx="1818356" cy="1941756"/>
+          </a:xfrm>
+          <a:prstGeom prst="rect">
+            <a:avLst/>
+          </a:prstGeom>
+        </p:spPr>
+      </p:pic>
+      <p:pic>
+        <p:nvPicPr>
+          <p:cNvPr id="34" name="Elemento grafico 33">
+            <a:extLst>
+              <a:ext uri="{FF2B5EF4-FFF2-40B4-BE49-F238E27FC236}">
+                <a16:creationId xmlns:a16="http://schemas.microsoft.com/office/drawing/2014/main" id="{D3F1365D-0E55-C192-2130-4F5333D17ACC}"/>
+              </a:ext>
+            </a:extLst>
+          </p:cNvPr>
+          <p:cNvPicPr>
+            <a:picLocks noChangeAspect="1"/>
+          </p:cNvPicPr>
+          <p:nvPr/>
+        </p:nvPicPr>
+        <p:blipFill rotWithShape="1">
+          <a:blip r:embed="rId17">
+            <a:extLst>
+              <a:ext uri="{96DAC541-7B7A-43D3-8B79-37D633B846F1}">
+                <asvg:svgBlip xmlns:asvg="http://schemas.microsoft.com/office/drawing/2016/SVG/main" r:embed="rId18"/>
+              </a:ext>
+            </a:extLst>
+          </a:blip>
+          <a:srcRect b="47015"/>
+          <a:stretch/>
+        </p:blipFill>
+        <p:spPr>
+          <a:xfrm rot="5400000">
+            <a:off x="2515456" y="2655894"/>
+            <a:ext cx="4473988" cy="675764"/>
+          </a:xfrm>
+          <a:prstGeom prst="rect">
+            <a:avLst/>
+          </a:prstGeom>
+        </p:spPr>
+      </p:pic>
+      <p:pic>
+        <p:nvPicPr>
+          <p:cNvPr id="37" name="Immagine 36">
+            <a:extLst>
+              <a:ext uri="{FF2B5EF4-FFF2-40B4-BE49-F238E27FC236}">
+                <a16:creationId xmlns:a16="http://schemas.microsoft.com/office/drawing/2014/main" id="{E850491B-D63A-D12E-2724-6081B0F75693}"/>
+              </a:ext>
+            </a:extLst>
+          </p:cNvPr>
+          <p:cNvPicPr>
+            <a:picLocks noChangeAspect="1"/>
+          </p:cNvPicPr>
+          <p:nvPr/>
+        </p:nvPicPr>
+        <p:blipFill rotWithShape="1">
+          <a:blip r:embed="rId19"/>
+          <a:srcRect l="3569" t="25611" r="36889" b="7552"/>
+          <a:stretch/>
+        </p:blipFill>
+        <p:spPr>
+          <a:xfrm>
+            <a:off x="9951231" y="2"/>
+            <a:ext cx="4684894" cy="7040116"/>
+          </a:xfrm>
+          <a:prstGeom prst="rect">
+            <a:avLst/>
+          </a:prstGeom>
+        </p:spPr>
+      </p:pic>
+      <p:pic>
+        <p:nvPicPr>
+          <p:cNvPr id="23" name="Elemento grafico 22">
+            <a:extLst>
+              <a:ext uri="{FF2B5EF4-FFF2-40B4-BE49-F238E27FC236}">
+                <a16:creationId xmlns:a16="http://schemas.microsoft.com/office/drawing/2014/main" id="{C5907222-6F0A-2FD7-FBF2-3FEAB955CD33}"/>
+              </a:ext>
+            </a:extLst>
+          </p:cNvPr>
+          <p:cNvPicPr>
+            <a:picLocks noChangeAspect="1"/>
+          </p:cNvPicPr>
+          <p:nvPr/>
+        </p:nvPicPr>
+        <p:blipFill rotWithShape="1">
+          <a:blip r:embed="rId17">
+            <a:extLst>
+              <a:ext uri="{96DAC541-7B7A-43D3-8B79-37D633B846F1}">
+                <asvg:svgBlip xmlns:asvg="http://schemas.microsoft.com/office/drawing/2016/SVG/main" r:embed="rId18"/>
+              </a:ext>
+            </a:extLst>
+          </a:blip>
+          <a:srcRect b="47015"/>
+          <a:stretch/>
+        </p:blipFill>
+        <p:spPr>
+          <a:xfrm>
+            <a:off x="5823215" y="584748"/>
+            <a:ext cx="7573784" cy="1143971"/>
+          </a:xfrm>
+          <a:prstGeom prst="rect">
+            <a:avLst/>
+          </a:prstGeom>
+        </p:spPr>
+      </p:pic>
+      <p:sp>
+        <p:nvSpPr>
+          <p:cNvPr id="49" name="CasellaDiTesto 48">
+            <a:extLst>
+              <a:ext uri="{FF2B5EF4-FFF2-40B4-BE49-F238E27FC236}">
+                <a16:creationId xmlns:a16="http://schemas.microsoft.com/office/drawing/2014/main" id="{FE158293-5DD6-FC5C-A412-8D6819B092B2}"/>
+              </a:ext>
+            </a:extLst>
+          </p:cNvPr>
+          <p:cNvSpPr txBox="1"/>
+          <p:nvPr/>
+        </p:nvSpPr>
+        <p:spPr>
+          <a:xfrm>
+            <a:off x="3728012" y="14233135"/>
+            <a:ext cx="3710159" cy="923330"/>
+          </a:xfrm>
+          <a:prstGeom prst="rect">
+            <a:avLst/>
+          </a:prstGeom>
+          <a:noFill/>
+        </p:spPr>
+        <p:txBody>
+          <a:bodyPr wrap="square" rtlCol="0">
+            <a:spAutoFit/>
+          </a:bodyPr>
+          <a:lstStyle/>
+          <a:p>
+            <a:r>
+              <a:rPr lang="it-IT" sz="5400" dirty="0">
+                <a:solidFill>
+                  <a:schemeClr val="bg1"/>
+                </a:solidFill>
+              </a:rPr>
+              <a:t>2023</a:t>
+            </a:r>
+          </a:p>
+        </p:txBody>
+      </p:sp>
+      <p:sp>
+        <p:nvSpPr>
+          <p:cNvPr id="50" name="CasellaDiTesto 49">
+            <a:extLst>
+              <a:ext uri="{FF2B5EF4-FFF2-40B4-BE49-F238E27FC236}">
+                <a16:creationId xmlns:a16="http://schemas.microsoft.com/office/drawing/2014/main" id="{5EAAC042-0BFA-6F94-7B6A-5512337BEE70}"/>
+              </a:ext>
+            </a:extLst>
+          </p:cNvPr>
+          <p:cNvSpPr txBox="1"/>
+          <p:nvPr/>
+        </p:nvSpPr>
+        <p:spPr>
+          <a:xfrm rot="5400000">
+            <a:off x="-4904695" y="6974593"/>
+            <a:ext cx="15149514" cy="1200329"/>
+          </a:xfrm>
+          <a:prstGeom prst="rect">
+            <a:avLst/>
+          </a:prstGeom>
+          <a:noFill/>
+        </p:spPr>
+        <p:txBody>
+          <a:bodyPr wrap="square" rtlCol="0">
+            <a:spAutoFit/>
+          </a:bodyPr>
+          <a:lstStyle/>
+          <a:p>
+            <a:pPr algn="just"/>
+            <a:r>
+              <a:rPr lang="en-GB" sz="3600" dirty="0">
+                <a:solidFill>
+                  <a:schemeClr val="bg1"/>
+                </a:solidFill>
+              </a:rPr>
+              <a:t>Ever wanted to launch from a helicopter onto a tiny island, falling between anti-</a:t>
+            </a:r>
+            <a:r>
+              <a:rPr lang="en-GB" sz="3600" dirty="0" err="1">
+                <a:solidFill>
+                  <a:schemeClr val="bg1"/>
+                </a:solidFill>
+              </a:rPr>
+              <a:t>grav</a:t>
+            </a:r>
+            <a:r>
+              <a:rPr lang="en-GB" sz="3600" dirty="0">
+                <a:solidFill>
+                  <a:schemeClr val="bg1"/>
+                </a:solidFill>
+              </a:rPr>
+              <a:t> bombs? </a:t>
+            </a:r>
+            <a:r>
+              <a:rPr lang="en-GB" sz="3600" b="1" dirty="0" err="1">
+                <a:solidFill>
+                  <a:schemeClr val="bg1"/>
+                </a:solidFill>
+              </a:rPr>
+              <a:t>ParaZXland</a:t>
+            </a:r>
+            <a:r>
+              <a:rPr lang="en-GB" sz="3600" dirty="0">
+                <a:solidFill>
+                  <a:schemeClr val="bg1"/>
+                </a:solidFill>
+              </a:rPr>
+              <a:t> places you under the parachute! </a:t>
+            </a:r>
+          </a:p>
+        </p:txBody>
+      </p:sp>
+    </p:spTree>
+    <p:extLst>
+      <p:ext uri="{BB962C8B-B14F-4D97-AF65-F5344CB8AC3E}">
+        <p14:creationId xmlns:p14="http://schemas.microsoft.com/office/powerpoint/2010/main" val="2643315238"/>
+      </p:ext>
+    </p:extLst>
+  </p:cSld>
+  <p:clrMapOvr>
+    <a:masterClrMapping/>
+  </p:clrMapOvr>
+</p:sld>
+</file>
+
+<file path=ppt/slides/slide3.xml><?xml version="1.0" encoding="utf-8"?>
+<p:sld xmlns:a="http://schemas.openxmlformats.org/drawingml/2006/main" xmlns:r="http://schemas.openxmlformats.org/officeDocument/2006/relationships" xmlns:p="http://schemas.openxmlformats.org/presentationml/2006/main">
+  <p:cSld>
+    <p:spTree>
+      <p:nvGrpSpPr>
         <p:cNvPr id="1" name=""/>
         <p:cNvGrpSpPr/>
         <p:nvPr/>
@@ -4051,7 +5068,7 @@
 </p:sld>
 </file>
 
-<file path=ppt/slides/slide3.xml><?xml version="1.0" encoding="utf-8"?>
+<file path=ppt/slides/slide4.xml><?xml version="1.0" encoding="utf-8"?>
 <p:sld xmlns:a="http://schemas.openxmlformats.org/drawingml/2006/main" xmlns:r="http://schemas.openxmlformats.org/officeDocument/2006/relationships" xmlns:p="http://schemas.openxmlformats.org/presentationml/2006/main">
   <p:cSld>
     <p:spTree>
